--- a/Scraping_Project.pptx
+++ b/Scraping_Project.pptx
@@ -111,6 +111,11 @@
       </a:defRPr>
     </a:lvl9pPr>
   </p:defaultTextStyle>
+  <p:extLst>
+    <p:ext uri="{EFAFB233-063F-42B5-8137-9DF3F51BA10A}">
+      <p15:sldGuideLst xmlns:p15="http://schemas.microsoft.com/office/powerpoint/2012/main"/>
+    </p:ext>
+  </p:extLst>
 </p:presentation>
 </file>
 
@@ -8317,10 +8322,10 @@
       </p:pic>
       <p:pic>
         <p:nvPicPr>
-          <p:cNvPr id="9" name="Picture 8">
-            <a:extLst>
-              <a:ext uri="{FF2B5EF4-FFF2-40B4-BE49-F238E27FC236}">
-                <a16:creationId xmlns:a16="http://schemas.microsoft.com/office/drawing/2014/main" id="{61F9EA88-DCF4-43A1-8B51-1C898EB67E9D}"/>
+          <p:cNvPr id="3" name="Picture 2">
+            <a:extLst>
+              <a:ext uri="{FF2B5EF4-FFF2-40B4-BE49-F238E27FC236}">
+                <a16:creationId xmlns:a16="http://schemas.microsoft.com/office/drawing/2014/main" id="{DDE24049-BC47-471E-844F-9C9D6AEE5709}"/>
               </a:ext>
             </a:extLst>
           </p:cNvPr>
@@ -8337,8 +8342,8 @@
         </p:blipFill>
         <p:spPr>
           <a:xfrm>
-            <a:off x="6773654" y="2046253"/>
-            <a:ext cx="4267570" cy="4046571"/>
+            <a:off x="6376891" y="2046252"/>
+            <a:ext cx="5060118" cy="4046571"/>
           </a:xfrm>
           <a:prstGeom prst="rect">
             <a:avLst/>
